--- a/窗口调节器.UwpPackaging/Images/设计图.pptx
+++ b/窗口调节器.UwpPackaging/Images/设计图.pptx
@@ -7,6 +7,7 @@
   <p:sldIdLst>
     <p:sldId id="256" r:id="rId2"/>
     <p:sldId id="257" r:id="rId3"/>
+    <p:sldId id="258" r:id="rId4"/>
   </p:sldIdLst>
   <p:sldSz cx="12192000" cy="6858000"/>
   <p:notesSz cx="6858000" cy="9144000"/>
@@ -4137,6 +4138,604 @@
 </p:sld>
 </file>
 
+<file path=ppt/slides/slide3.xml><?xml version="1.0" encoding="utf-8"?>
+<p:sld xmlns:a="http://schemas.openxmlformats.org/drawingml/2006/main" xmlns:r="http://schemas.openxmlformats.org/officeDocument/2006/relationships" xmlns:p="http://schemas.openxmlformats.org/presentationml/2006/main">
+  <p:cSld>
+    <p:spTree>
+      <p:nvGrpSpPr>
+        <p:cNvPr id="1" name=""/>
+        <p:cNvGrpSpPr/>
+        <p:nvPr/>
+      </p:nvGrpSpPr>
+      <p:grpSpPr>
+        <a:xfrm>
+          <a:off x="0" y="0"/>
+          <a:ext cx="0" cy="0"/>
+          <a:chOff x="0" y="0"/>
+          <a:chExt cx="0" cy="0"/>
+        </a:xfrm>
+      </p:grpSpPr>
+      <p:grpSp>
+        <p:nvGrpSpPr>
+          <p:cNvPr id="4" name="组合 3">
+            <a:extLst>
+              <a:ext uri="{FF2B5EF4-FFF2-40B4-BE49-F238E27FC236}">
+                <a16:creationId xmlns:a16="http://schemas.microsoft.com/office/drawing/2014/main" id="{71B55283-C280-4F6D-8C26-6FF02FBCEEA0}"/>
+              </a:ext>
+            </a:extLst>
+          </p:cNvPr>
+          <p:cNvGrpSpPr/>
+          <p:nvPr/>
+        </p:nvGrpSpPr>
+        <p:grpSpPr>
+          <a:xfrm>
+            <a:off x="1033272" y="3099816"/>
+            <a:ext cx="4483608" cy="768096"/>
+            <a:chOff x="1033272" y="3099816"/>
+            <a:chExt cx="2404872" cy="768096"/>
+          </a:xfrm>
+          <a:effectLst>
+            <a:outerShdw blurRad="50800" dir="5400000" algn="ctr" rotWithShape="0">
+              <a:schemeClr val="tx1">
+                <a:lumMod val="95000"/>
+                <a:lumOff val="5000"/>
+              </a:schemeClr>
+            </a:outerShdw>
+          </a:effectLst>
+        </p:grpSpPr>
+        <p:sp>
+          <p:nvSpPr>
+            <p:cNvPr id="5" name="矩形 4">
+              <a:extLst>
+                <a:ext uri="{FF2B5EF4-FFF2-40B4-BE49-F238E27FC236}">
+                  <a16:creationId xmlns:a16="http://schemas.microsoft.com/office/drawing/2014/main" id="{D02EDD76-C0CE-4F5B-8BBE-287C8B8E735B}"/>
+                </a:ext>
+              </a:extLst>
+            </p:cNvPr>
+            <p:cNvSpPr/>
+            <p:nvPr/>
+          </p:nvSpPr>
+          <p:spPr>
+            <a:xfrm>
+              <a:off x="1033272" y="3099816"/>
+              <a:ext cx="2404872" cy="768096"/>
+            </a:xfrm>
+            <a:prstGeom prst="rect">
+              <a:avLst/>
+            </a:prstGeom>
+            <a:ln w="50800"/>
+          </p:spPr>
+          <p:style>
+            <a:lnRef idx="2">
+              <a:schemeClr val="dk1"/>
+            </a:lnRef>
+            <a:fillRef idx="1">
+              <a:schemeClr val="lt1"/>
+            </a:fillRef>
+            <a:effectRef idx="0">
+              <a:schemeClr val="dk1"/>
+            </a:effectRef>
+            <a:fontRef idx="minor">
+              <a:schemeClr val="dk1"/>
+            </a:fontRef>
+          </p:style>
+          <p:txBody>
+            <a:bodyPr rtlCol="0" anchor="ctr"/>
+            <a:lstStyle/>
+            <a:p>
+              <a:pPr algn="ctr"/>
+              <a:endParaRPr lang="zh-CN" altLang="en-US"/>
+            </a:p>
+          </p:txBody>
+        </p:sp>
+        <p:sp>
+          <p:nvSpPr>
+            <p:cNvPr id="6" name="椭圆 5">
+              <a:extLst>
+                <a:ext uri="{FF2B5EF4-FFF2-40B4-BE49-F238E27FC236}">
+                  <a16:creationId xmlns:a16="http://schemas.microsoft.com/office/drawing/2014/main" id="{E2CF59FB-3F0A-410E-836C-CAE345392336}"/>
+                </a:ext>
+              </a:extLst>
+            </p:cNvPr>
+            <p:cNvSpPr/>
+            <p:nvPr/>
+          </p:nvSpPr>
+          <p:spPr>
+            <a:xfrm>
+              <a:off x="1190625" y="3314700"/>
+              <a:ext cx="170407" cy="327279"/>
+            </a:xfrm>
+            <a:prstGeom prst="ellipse">
+              <a:avLst/>
+            </a:prstGeom>
+            <a:solidFill>
+              <a:schemeClr val="bg1">
+                <a:lumMod val="65000"/>
+              </a:schemeClr>
+            </a:solidFill>
+            <a:ln w="50800">
+              <a:solidFill>
+                <a:schemeClr val="bg1">
+                  <a:lumMod val="85000"/>
+                </a:schemeClr>
+              </a:solidFill>
+            </a:ln>
+          </p:spPr>
+          <p:style>
+            <a:lnRef idx="2">
+              <a:schemeClr val="accent1">
+                <a:shade val="50000"/>
+              </a:schemeClr>
+            </a:lnRef>
+            <a:fillRef idx="1">
+              <a:schemeClr val="accent1"/>
+            </a:fillRef>
+            <a:effectRef idx="0">
+              <a:schemeClr val="accent1"/>
+            </a:effectRef>
+            <a:fontRef idx="minor">
+              <a:schemeClr val="lt1"/>
+            </a:fontRef>
+          </p:style>
+          <p:txBody>
+            <a:bodyPr rtlCol="0" anchor="ctr"/>
+            <a:lstStyle/>
+            <a:p>
+              <a:pPr algn="ctr"/>
+              <a:endParaRPr lang="zh-CN" altLang="en-US"/>
+            </a:p>
+          </p:txBody>
+        </p:sp>
+        <p:sp>
+          <p:nvSpPr>
+            <p:cNvPr id="10" name="椭圆 9">
+              <a:extLst>
+                <a:ext uri="{FF2B5EF4-FFF2-40B4-BE49-F238E27FC236}">
+                  <a16:creationId xmlns:a16="http://schemas.microsoft.com/office/drawing/2014/main" id="{FACBABC8-2808-4A68-A8B3-6876A6B06B16}"/>
+                </a:ext>
+              </a:extLst>
+            </p:cNvPr>
+            <p:cNvSpPr/>
+            <p:nvPr/>
+          </p:nvSpPr>
+          <p:spPr>
+            <a:xfrm>
+              <a:off x="3044177" y="3278026"/>
+              <a:ext cx="132390" cy="255652"/>
+            </a:xfrm>
+            <a:prstGeom prst="ellipse">
+              <a:avLst/>
+            </a:prstGeom>
+            <a:solidFill>
+              <a:schemeClr val="bg1">
+                <a:lumMod val="65000"/>
+              </a:schemeClr>
+            </a:solidFill>
+            <a:ln w="50800">
+              <a:solidFill>
+                <a:schemeClr val="bg1">
+                  <a:lumMod val="85000"/>
+                </a:schemeClr>
+              </a:solidFill>
+            </a:ln>
+          </p:spPr>
+          <p:style>
+            <a:lnRef idx="2">
+              <a:schemeClr val="accent1">
+                <a:shade val="50000"/>
+              </a:schemeClr>
+            </a:lnRef>
+            <a:fillRef idx="1">
+              <a:schemeClr val="accent1"/>
+            </a:fillRef>
+            <a:effectRef idx="0">
+              <a:schemeClr val="accent1"/>
+            </a:effectRef>
+            <a:fontRef idx="minor">
+              <a:schemeClr val="lt1"/>
+            </a:fontRef>
+          </p:style>
+          <p:txBody>
+            <a:bodyPr rtlCol="0" anchor="ctr"/>
+            <a:lstStyle/>
+            <a:p>
+              <a:pPr algn="ctr"/>
+              <a:endParaRPr lang="zh-CN" altLang="en-US"/>
+            </a:p>
+          </p:txBody>
+        </p:sp>
+      </p:grpSp>
+      <p:grpSp>
+        <p:nvGrpSpPr>
+          <p:cNvPr id="11" name="组合 10">
+            <a:extLst>
+              <a:ext uri="{FF2B5EF4-FFF2-40B4-BE49-F238E27FC236}">
+                <a16:creationId xmlns:a16="http://schemas.microsoft.com/office/drawing/2014/main" id="{2F03A02F-4241-4FD3-AB89-7A16D860168F}"/>
+              </a:ext>
+            </a:extLst>
+          </p:cNvPr>
+          <p:cNvGrpSpPr/>
+          <p:nvPr/>
+        </p:nvGrpSpPr>
+        <p:grpSpPr>
+          <a:xfrm>
+            <a:off x="1996440" y="1661161"/>
+            <a:ext cx="2438400" cy="1980818"/>
+            <a:chOff x="1514475" y="1890712"/>
+            <a:chExt cx="1483424" cy="1425885"/>
+          </a:xfrm>
+          <a:effectLst>
+            <a:outerShdw blurRad="50800" dir="5400000" algn="ctr" rotWithShape="0">
+              <a:schemeClr val="tx1">
+                <a:lumMod val="95000"/>
+                <a:lumOff val="5000"/>
+              </a:schemeClr>
+            </a:outerShdw>
+          </a:effectLst>
+        </p:grpSpPr>
+        <p:sp>
+          <p:nvSpPr>
+            <p:cNvPr id="12" name="矩形 11">
+              <a:extLst>
+                <a:ext uri="{FF2B5EF4-FFF2-40B4-BE49-F238E27FC236}">
+                  <a16:creationId xmlns:a16="http://schemas.microsoft.com/office/drawing/2014/main" id="{A91719B6-7157-4DD7-8575-8D9855AD3FB2}"/>
+                </a:ext>
+              </a:extLst>
+            </p:cNvPr>
+            <p:cNvSpPr/>
+            <p:nvPr/>
+          </p:nvSpPr>
+          <p:spPr>
+            <a:xfrm>
+              <a:off x="1514475" y="1890712"/>
+              <a:ext cx="1483424" cy="1425885"/>
+            </a:xfrm>
+            <a:prstGeom prst="rect">
+              <a:avLst/>
+            </a:prstGeom>
+          </p:spPr>
+          <p:style>
+            <a:lnRef idx="2">
+              <a:schemeClr val="dk1">
+                <a:shade val="50000"/>
+              </a:schemeClr>
+            </a:lnRef>
+            <a:fillRef idx="1">
+              <a:schemeClr val="dk1"/>
+            </a:fillRef>
+            <a:effectRef idx="0">
+              <a:schemeClr val="dk1"/>
+            </a:effectRef>
+            <a:fontRef idx="minor">
+              <a:schemeClr val="lt1"/>
+            </a:fontRef>
+          </p:style>
+          <p:txBody>
+            <a:bodyPr rtlCol="0" anchor="ctr"/>
+            <a:lstStyle/>
+            <a:p>
+              <a:pPr algn="ctr"/>
+              <a:r>
+                <a:rPr lang="en-US" altLang="zh-CN" sz="4800" dirty="0">
+                  <a:latin typeface="黑体" panose="02010609060101010101" pitchFamily="49" charset="-122"/>
+                  <a:ea typeface="黑体" panose="02010609060101010101" pitchFamily="49" charset="-122"/>
+                </a:rPr>
+                <a:t>RGSS</a:t>
+              </a:r>
+              <a:endParaRPr lang="zh-CN" altLang="en-US" sz="4800" dirty="0">
+                <a:latin typeface="黑体" panose="02010609060101010101" pitchFamily="49" charset="-122"/>
+                <a:ea typeface="黑体" panose="02010609060101010101" pitchFamily="49" charset="-122"/>
+              </a:endParaRPr>
+            </a:p>
+          </p:txBody>
+        </p:sp>
+        <p:sp>
+          <p:nvSpPr>
+            <p:cNvPr id="13" name="矩形 12">
+              <a:extLst>
+                <a:ext uri="{FF2B5EF4-FFF2-40B4-BE49-F238E27FC236}">
+                  <a16:creationId xmlns:a16="http://schemas.microsoft.com/office/drawing/2014/main" id="{B0ACA698-183D-422D-A65A-E11362C42683}"/>
+                </a:ext>
+              </a:extLst>
+            </p:cNvPr>
+            <p:cNvSpPr/>
+            <p:nvPr/>
+          </p:nvSpPr>
+          <p:spPr>
+            <a:xfrm>
+              <a:off x="1514475" y="1890712"/>
+              <a:ext cx="1483424" cy="209551"/>
+            </a:xfrm>
+            <a:prstGeom prst="rect">
+              <a:avLst/>
+            </a:prstGeom>
+            <a:solidFill>
+              <a:schemeClr val="bg1">
+                <a:lumMod val="75000"/>
+              </a:schemeClr>
+            </a:solidFill>
+            <a:ln>
+              <a:solidFill>
+                <a:schemeClr val="bg1">
+                  <a:lumMod val="75000"/>
+                </a:schemeClr>
+              </a:solidFill>
+            </a:ln>
+          </p:spPr>
+          <p:style>
+            <a:lnRef idx="2">
+              <a:schemeClr val="accent1">
+                <a:shade val="50000"/>
+              </a:schemeClr>
+            </a:lnRef>
+            <a:fillRef idx="1">
+              <a:schemeClr val="accent1"/>
+            </a:fillRef>
+            <a:effectRef idx="0">
+              <a:schemeClr val="accent1"/>
+            </a:effectRef>
+            <a:fontRef idx="minor">
+              <a:schemeClr val="lt1"/>
+            </a:fontRef>
+          </p:style>
+          <p:txBody>
+            <a:bodyPr rtlCol="0" anchor="ctr"/>
+            <a:lstStyle/>
+            <a:p>
+              <a:pPr algn="ctr"/>
+              <a:endParaRPr lang="zh-CN" altLang="en-US"/>
+            </a:p>
+          </p:txBody>
+        </p:sp>
+      </p:grpSp>
+      <p:sp>
+        <p:nvSpPr>
+          <p:cNvPr id="14" name="箭头: 左右 13">
+            <a:extLst>
+              <a:ext uri="{FF2B5EF4-FFF2-40B4-BE49-F238E27FC236}">
+                <a16:creationId xmlns:a16="http://schemas.microsoft.com/office/drawing/2014/main" id="{16BA01A5-AF76-4C9E-98D4-BE2FBE6C9D78}"/>
+              </a:ext>
+            </a:extLst>
+          </p:cNvPr>
+          <p:cNvSpPr/>
+          <p:nvPr/>
+        </p:nvSpPr>
+        <p:spPr>
+          <a:xfrm rot="2702325">
+            <a:off x="3827969" y="3269456"/>
+            <a:ext cx="933451" cy="319088"/>
+          </a:xfrm>
+          <a:prstGeom prst="leftRightArrow">
+            <a:avLst/>
+          </a:prstGeom>
+          <a:ln w="50800">
+            <a:solidFill>
+              <a:schemeClr val="bg1">
+                <a:lumMod val="95000"/>
+              </a:schemeClr>
+            </a:solidFill>
+          </a:ln>
+          <a:effectLst>
+            <a:outerShdw blurRad="50800" dir="5400000" algn="ctr" rotWithShape="0">
+              <a:schemeClr val="tx1">
+                <a:lumMod val="95000"/>
+                <a:lumOff val="5000"/>
+              </a:schemeClr>
+            </a:outerShdw>
+          </a:effectLst>
+        </p:spPr>
+        <p:style>
+          <a:lnRef idx="2">
+            <a:schemeClr val="dk1">
+              <a:shade val="50000"/>
+            </a:schemeClr>
+          </a:lnRef>
+          <a:fillRef idx="1">
+            <a:schemeClr val="dk1"/>
+          </a:fillRef>
+          <a:effectRef idx="0">
+            <a:schemeClr val="dk1"/>
+          </a:effectRef>
+          <a:fontRef idx="minor">
+            <a:schemeClr val="lt1"/>
+          </a:fontRef>
+        </p:style>
+        <p:txBody>
+          <a:bodyPr rtlCol="0" anchor="ctr"/>
+          <a:lstStyle/>
+          <a:p>
+            <a:pPr algn="ctr"/>
+            <a:endParaRPr lang="zh-CN" altLang="en-US"/>
+          </a:p>
+        </p:txBody>
+      </p:sp>
+      <p:sp>
+        <p:nvSpPr>
+          <p:cNvPr id="15" name="椭圆 14">
+            <a:extLst>
+              <a:ext uri="{FF2B5EF4-FFF2-40B4-BE49-F238E27FC236}">
+                <a16:creationId xmlns:a16="http://schemas.microsoft.com/office/drawing/2014/main" id="{0D7B9E2C-8E79-46A6-B0D9-128D9776B0D2}"/>
+              </a:ext>
+            </a:extLst>
+          </p:cNvPr>
+          <p:cNvSpPr/>
+          <p:nvPr/>
+        </p:nvSpPr>
+        <p:spPr>
+          <a:xfrm>
+            <a:off x="5149627" y="3222687"/>
+            <a:ext cx="246826" cy="255652"/>
+          </a:xfrm>
+          <a:prstGeom prst="ellipse">
+            <a:avLst/>
+          </a:prstGeom>
+          <a:solidFill>
+            <a:schemeClr val="bg1">
+              <a:lumMod val="65000"/>
+            </a:schemeClr>
+          </a:solidFill>
+          <a:ln w="50800">
+            <a:solidFill>
+              <a:schemeClr val="bg1">
+                <a:lumMod val="85000"/>
+              </a:schemeClr>
+            </a:solidFill>
+          </a:ln>
+        </p:spPr>
+        <p:style>
+          <a:lnRef idx="2">
+            <a:schemeClr val="accent1">
+              <a:shade val="50000"/>
+            </a:schemeClr>
+          </a:lnRef>
+          <a:fillRef idx="1">
+            <a:schemeClr val="accent1"/>
+          </a:fillRef>
+          <a:effectRef idx="0">
+            <a:schemeClr val="accent1"/>
+          </a:effectRef>
+          <a:fontRef idx="minor">
+            <a:schemeClr val="lt1"/>
+          </a:fontRef>
+        </p:style>
+        <p:txBody>
+          <a:bodyPr rtlCol="0" anchor="ctr"/>
+          <a:lstStyle/>
+          <a:p>
+            <a:pPr algn="ctr"/>
+            <a:endParaRPr lang="zh-CN" altLang="en-US"/>
+          </a:p>
+        </p:txBody>
+      </p:sp>
+      <p:sp>
+        <p:nvSpPr>
+          <p:cNvPr id="21" name="椭圆 20">
+            <a:extLst>
+              <a:ext uri="{FF2B5EF4-FFF2-40B4-BE49-F238E27FC236}">
+                <a16:creationId xmlns:a16="http://schemas.microsoft.com/office/drawing/2014/main" id="{B4470B17-5C84-4D37-B655-E292B8A99833}"/>
+              </a:ext>
+            </a:extLst>
+          </p:cNvPr>
+          <p:cNvSpPr/>
+          <p:nvPr/>
+        </p:nvSpPr>
+        <p:spPr>
+          <a:xfrm>
+            <a:off x="5149627" y="3510818"/>
+            <a:ext cx="246826" cy="255652"/>
+          </a:xfrm>
+          <a:prstGeom prst="ellipse">
+            <a:avLst/>
+          </a:prstGeom>
+          <a:solidFill>
+            <a:schemeClr val="bg1">
+              <a:lumMod val="65000"/>
+            </a:schemeClr>
+          </a:solidFill>
+          <a:ln w="50800">
+            <a:solidFill>
+              <a:schemeClr val="bg1">
+                <a:lumMod val="85000"/>
+              </a:schemeClr>
+            </a:solidFill>
+          </a:ln>
+        </p:spPr>
+        <p:style>
+          <a:lnRef idx="2">
+            <a:schemeClr val="accent1">
+              <a:shade val="50000"/>
+            </a:schemeClr>
+          </a:lnRef>
+          <a:fillRef idx="1">
+            <a:schemeClr val="accent1"/>
+          </a:fillRef>
+          <a:effectRef idx="0">
+            <a:schemeClr val="accent1"/>
+          </a:effectRef>
+          <a:fontRef idx="minor">
+            <a:schemeClr val="lt1"/>
+          </a:fontRef>
+        </p:style>
+        <p:txBody>
+          <a:bodyPr rtlCol="0" anchor="ctr"/>
+          <a:lstStyle/>
+          <a:p>
+            <a:pPr algn="ctr"/>
+            <a:endParaRPr lang="zh-CN" altLang="en-US"/>
+          </a:p>
+        </p:txBody>
+      </p:sp>
+      <p:sp>
+        <p:nvSpPr>
+          <p:cNvPr id="22" name="椭圆 21">
+            <a:extLst>
+              <a:ext uri="{FF2B5EF4-FFF2-40B4-BE49-F238E27FC236}">
+                <a16:creationId xmlns:a16="http://schemas.microsoft.com/office/drawing/2014/main" id="{3B158DB1-4201-413A-9053-CACD769135A8}"/>
+              </a:ext>
+            </a:extLst>
+          </p:cNvPr>
+          <p:cNvSpPr/>
+          <p:nvPr/>
+        </p:nvSpPr>
+        <p:spPr>
+          <a:xfrm>
+            <a:off x="4782374" y="3564158"/>
+            <a:ext cx="246826" cy="255652"/>
+          </a:xfrm>
+          <a:prstGeom prst="ellipse">
+            <a:avLst/>
+          </a:prstGeom>
+          <a:solidFill>
+            <a:schemeClr val="bg1">
+              <a:lumMod val="65000"/>
+            </a:schemeClr>
+          </a:solidFill>
+          <a:ln w="50800">
+            <a:solidFill>
+              <a:schemeClr val="bg1">
+                <a:lumMod val="85000"/>
+              </a:schemeClr>
+            </a:solidFill>
+          </a:ln>
+        </p:spPr>
+        <p:style>
+          <a:lnRef idx="2">
+            <a:schemeClr val="accent1">
+              <a:shade val="50000"/>
+            </a:schemeClr>
+          </a:lnRef>
+          <a:fillRef idx="1">
+            <a:schemeClr val="accent1"/>
+          </a:fillRef>
+          <a:effectRef idx="0">
+            <a:schemeClr val="accent1"/>
+          </a:effectRef>
+          <a:fontRef idx="minor">
+            <a:schemeClr val="lt1"/>
+          </a:fontRef>
+        </p:style>
+        <p:txBody>
+          <a:bodyPr rtlCol="0" anchor="ctr"/>
+          <a:lstStyle/>
+          <a:p>
+            <a:pPr algn="ctr"/>
+            <a:endParaRPr lang="zh-CN" altLang="en-US"/>
+          </a:p>
+        </p:txBody>
+      </p:sp>
+    </p:spTree>
+    <p:extLst>
+      <p:ext uri="{BB962C8B-B14F-4D97-AF65-F5344CB8AC3E}">
+        <p14:creationId xmlns:p14="http://schemas.microsoft.com/office/powerpoint/2010/main" val="27976242"/>
+      </p:ext>
+    </p:extLst>
+  </p:cSld>
+  <p:clrMapOvr>
+    <a:masterClrMapping/>
+  </p:clrMapOvr>
+</p:sld>
+</file>
+
 <file path=ppt/theme/theme1.xml><?xml version="1.0" encoding="utf-8"?>
 <a:theme xmlns:a="http://schemas.openxmlformats.org/drawingml/2006/main" name="Office 主题​​">
   <a:themeElements>
